--- a/B1812267_DuongTrungHien_B1812256_LeDuy.pptx
+++ b/B1812267_DuongTrungHien_B1812256_LeDuy.pptx
@@ -283,7 +283,7 @@
               <a:cs typeface="+mn-cs"/>
             </a:defRPr>
           </a:pPr>
-          <a:endParaRPr lang="en-VN"/>
+          <a:endParaRPr lang="vi-VN"/>
         </a:p>
       </c:txPr>
     </c:title>
@@ -505,7 +505,7 @@
               <a:cs typeface="+mn-cs"/>
             </a:defRPr>
           </a:pPr>
-          <a:endParaRPr lang="en-VN"/>
+          <a:endParaRPr lang="vi-VN"/>
         </a:p>
       </c:txPr>
     </c:legend>
@@ -527,7 +527,7 @@
       <a:pPr>
         <a:defRPr/>
       </a:pPr>
-      <a:endParaRPr lang="en-VN"/>
+      <a:endParaRPr lang="vi-VN"/>
     </a:p>
   </c:txPr>
   <c:externalData r:id="rId3">
@@ -700,7 +700,7 @@
               <a:cs typeface="+mn-cs"/>
             </a:defRPr>
           </a:pPr>
-          <a:endParaRPr lang="en-VN"/>
+          <a:endParaRPr lang="vi-VN"/>
         </a:p>
       </c:txPr>
     </c:title>
@@ -844,7 +844,7 @@
               <a:cs typeface="+mn-cs"/>
             </a:defRPr>
           </a:pPr>
-          <a:endParaRPr lang="en-VN"/>
+          <a:endParaRPr lang="vi-VN"/>
         </a:p>
       </c:txPr>
     </c:legend>
@@ -866,7 +866,7 @@
       <a:pPr>
         <a:defRPr/>
       </a:pPr>
-      <a:endParaRPr lang="en-VN"/>
+      <a:endParaRPr lang="vi-VN"/>
     </a:p>
   </c:txPr>
   <c:externalData r:id="rId3">
@@ -1025,7 +1025,7 @@
               <a:cs typeface="+mn-cs"/>
             </a:defRPr>
           </a:pPr>
-          <a:endParaRPr lang="en-VN"/>
+          <a:endParaRPr lang="vi-VN"/>
         </a:p>
       </c:txPr>
     </c:title>
@@ -1089,7 +1089,7 @@
                     <a:cs typeface="+mn-cs"/>
                   </a:defRPr>
                 </a:pPr>
-                <a:endParaRPr lang="en-VN"/>
+                <a:endParaRPr lang="vi-VN"/>
               </a:p>
             </c:txPr>
             <c:dLblPos val="outEnd"/>
@@ -1214,7 +1214,7 @@
                     <a:cs typeface="+mn-cs"/>
                   </a:defRPr>
                 </a:pPr>
-                <a:endParaRPr lang="en-VN"/>
+                <a:endParaRPr lang="vi-VN"/>
               </a:p>
             </c:txPr>
             <c:dLblPos val="outEnd"/>
@@ -1341,7 +1341,7 @@
                 <a:cs typeface="+mn-cs"/>
               </a:defRPr>
             </a:pPr>
-            <a:endParaRPr lang="en-VN"/>
+            <a:endParaRPr lang="vi-VN"/>
           </a:p>
         </c:txPr>
         <c:crossAx val="1884106736"/>
@@ -1400,7 +1400,7 @@
                 <a:cs typeface="+mn-cs"/>
               </a:defRPr>
             </a:pPr>
-            <a:endParaRPr lang="en-VN"/>
+            <a:endParaRPr lang="vi-VN"/>
           </a:p>
         </c:txPr>
         <c:crossAx val="89834432"/>
@@ -1442,7 +1442,7 @@
               <a:cs typeface="+mn-cs"/>
             </a:defRPr>
           </a:pPr>
-          <a:endParaRPr lang="en-VN"/>
+          <a:endParaRPr lang="vi-VN"/>
         </a:p>
       </c:txPr>
     </c:legend>
@@ -1464,7 +1464,7 @@
       <a:pPr>
         <a:defRPr/>
       </a:pPr>
-      <a:endParaRPr lang="en-VN"/>
+      <a:endParaRPr lang="vi-VN"/>
     </a:p>
   </c:txPr>
   <c:externalData r:id="rId3">
@@ -3240,7 +3240,7 @@
             <a:fld id="{48A87A34-81AB-432B-8DAE-1953F412C126}" type="datetimeFigureOut">
               <a:rPr lang="en-US" smtClean="0"/>
               <a:pPr/>
-              <a:t>12/24/21</a:t>
+              <a:t>12/27/2021</a:t>
             </a:fld>
             <a:endParaRPr lang="en-US" dirty="0"/>
           </a:p>
@@ -3451,7 +3451,7 @@
           <a:p>
             <a:fld id="{48A87A34-81AB-432B-8DAE-1953F412C126}" type="datetimeFigureOut">
               <a:rPr lang="en-US" smtClean="0"/>
-              <a:t>12/24/21</a:t>
+              <a:t>12/27/2021</a:t>
             </a:fld>
             <a:endParaRPr lang="en-US" dirty="0"/>
           </a:p>
@@ -3666,7 +3666,7 @@
           <a:p>
             <a:fld id="{48A87A34-81AB-432B-8DAE-1953F412C126}" type="datetimeFigureOut">
               <a:rPr lang="en-US" smtClean="0"/>
-              <a:t>12/24/21</a:t>
+              <a:t>12/27/2021</a:t>
             </a:fld>
             <a:endParaRPr lang="en-US" dirty="0"/>
           </a:p>
@@ -3867,7 +3867,7 @@
           <a:p>
             <a:fld id="{48A87A34-81AB-432B-8DAE-1953F412C126}" type="datetimeFigureOut">
               <a:rPr lang="en-US" smtClean="0"/>
-              <a:t>12/24/21</a:t>
+              <a:t>12/27/2021</a:t>
             </a:fld>
             <a:endParaRPr lang="en-US" dirty="0"/>
           </a:p>
@@ -4146,7 +4146,7 @@
           <a:p>
             <a:fld id="{48A87A34-81AB-432B-8DAE-1953F412C126}" type="datetimeFigureOut">
               <a:rPr lang="en-US" smtClean="0"/>
-              <a:t>12/24/21</a:t>
+              <a:t>12/27/2021</a:t>
             </a:fld>
             <a:endParaRPr lang="en-US" dirty="0"/>
           </a:p>
@@ -4414,7 +4414,7 @@
           <a:p>
             <a:fld id="{48A87A34-81AB-432B-8DAE-1953F412C126}" type="datetimeFigureOut">
               <a:rPr lang="en-US" smtClean="0"/>
-              <a:t>12/24/21</a:t>
+              <a:t>12/27/2021</a:t>
             </a:fld>
             <a:endParaRPr lang="en-US" dirty="0"/>
           </a:p>
@@ -4830,7 +4830,7 @@
           <a:p>
             <a:fld id="{48A87A34-81AB-432B-8DAE-1953F412C126}" type="datetimeFigureOut">
               <a:rPr lang="en-US" smtClean="0"/>
-              <a:t>12/24/21</a:t>
+              <a:t>12/27/2021</a:t>
             </a:fld>
             <a:endParaRPr lang="en-US" dirty="0"/>
           </a:p>
@@ -4979,7 +4979,7 @@
           <a:p>
             <a:fld id="{48A87A34-81AB-432B-8DAE-1953F412C126}" type="datetimeFigureOut">
               <a:rPr lang="en-US" smtClean="0"/>
-              <a:t>12/24/21</a:t>
+              <a:t>12/27/2021</a:t>
             </a:fld>
             <a:endParaRPr lang="en-US" dirty="0"/>
           </a:p>
@@ -5105,7 +5105,7 @@
           <a:p>
             <a:fld id="{48A87A34-81AB-432B-8DAE-1953F412C126}" type="datetimeFigureOut">
               <a:rPr lang="en-US" smtClean="0"/>
-              <a:t>12/24/21</a:t>
+              <a:t>12/27/2021</a:t>
             </a:fld>
             <a:endParaRPr lang="en-US" dirty="0"/>
           </a:p>
@@ -5356,7 +5356,7 @@
           <a:p>
             <a:fld id="{48A87A34-81AB-432B-8DAE-1953F412C126}" type="datetimeFigureOut">
               <a:rPr lang="en-US" smtClean="0"/>
-              <a:t>12/24/21</a:t>
+              <a:t>12/27/2021</a:t>
             </a:fld>
             <a:endParaRPr lang="en-US" dirty="0"/>
           </a:p>
@@ -5801,7 +5801,7 @@
           <a:p>
             <a:fld id="{48A87A34-81AB-432B-8DAE-1953F412C126}" type="datetimeFigureOut">
               <a:rPr lang="en-US" smtClean="0"/>
-              <a:t>12/24/21</a:t>
+              <a:t>12/27/2021</a:t>
             </a:fld>
             <a:endParaRPr lang="en-US" dirty="0"/>
           </a:p>
@@ -6129,7 +6129,7 @@
             <a:fld id="{48A87A34-81AB-432B-8DAE-1953F412C126}" type="datetimeFigureOut">
               <a:rPr lang="en-US" smtClean="0"/>
               <a:pPr/>
-              <a:t>12/24/21</a:t>
+              <a:t>12/27/2021</a:t>
             </a:fld>
             <a:endParaRPr lang="en-US" dirty="0"/>
           </a:p>
@@ -9827,11 +9827,11 @@
           </a:lstStyle>
           <a:p>
             <a:r>
-              <a:rPr lang="en-US" dirty="0">
-                <a:latin typeface="Arial" panose="020B0604020202020204" pitchFamily="34" charset="0"/>
-                <a:cs typeface="Arial" panose="020B0604020202020204" pitchFamily="34" charset="0"/>
-              </a:rPr>
-              <a:t>III. </a:t>
+              <a:rPr lang="en-US" dirty="0" smtClean="0">
+                <a:latin typeface="Arial" panose="020B0604020202020204" pitchFamily="34" charset="0"/>
+                <a:cs typeface="Arial" panose="020B0604020202020204" pitchFamily="34" charset="0"/>
+              </a:rPr>
+              <a:t>IV. </a:t>
             </a:r>
             <a:r>
               <a:rPr lang="en-US" dirty="0" err="1">
@@ -11143,11 +11143,11 @@
           </a:lstStyle>
           <a:p>
             <a:r>
-              <a:rPr lang="en-US" dirty="0">
-                <a:latin typeface="Arial" panose="020B0604020202020204" pitchFamily="34" charset="0"/>
-                <a:cs typeface="Arial" panose="020B0604020202020204" pitchFamily="34" charset="0"/>
-              </a:rPr>
-              <a:t>III. </a:t>
+              <a:rPr lang="en-US" dirty="0" smtClean="0">
+                <a:latin typeface="Arial" panose="020B0604020202020204" pitchFamily="34" charset="0"/>
+                <a:cs typeface="Arial" panose="020B0604020202020204" pitchFamily="34" charset="0"/>
+              </a:rPr>
+              <a:t>IV. </a:t>
             </a:r>
             <a:r>
               <a:rPr lang="en-US" dirty="0" err="1">
